--- a/Training/GAPQ2017/PPT/16 Storage Model.pptx
+++ b/Training/GAPQ2017/PPT/16 Storage Model.pptx
@@ -254,7 +254,7 @@
           <a:p>
             <a:fld id="{21D603EA-85D6-422C-AB10-17A2A7923832}" type="datetimeFigureOut">
               <a:rPr lang="en-US" smtClean="0"/>
-              <a:t>6/15/2017</a:t>
+              <a:t>6/23/2017</a:t>
             </a:fld>
             <a:endParaRPr lang="en-US" dirty="0"/>
           </a:p>
@@ -4936,7 +4936,7 @@
         </p:nvSpPr>
         <p:spPr>
           <a:xfrm>
-            <a:off x="457200" y="2008585"/>
+            <a:off x="466437" y="1768674"/>
             <a:ext cx="4040188" cy="479822"/>
           </a:xfrm>
         </p:spPr>
@@ -4992,7 +4992,12 @@
             <p:ph type="body" sz="quarter" idx="3"/>
           </p:nvPr>
         </p:nvSpPr>
-        <p:spPr/>
+        <p:spPr>
+          <a:xfrm>
+            <a:off x="4663440" y="1608734"/>
+            <a:ext cx="4206240" cy="639762"/>
+          </a:xfrm>
+        </p:spPr>
         <p:txBody>
           <a:bodyPr>
             <a:normAutofit/>
@@ -5225,7 +5230,7 @@
         <p:spPr>
           <a:xfrm>
             <a:off x="1899138" y="4538296"/>
-            <a:ext cx="5650524" cy="338554"/>
+            <a:ext cx="5650524" cy="400110"/>
           </a:xfrm>
           <a:prstGeom prst="rect">
             <a:avLst/>
@@ -5239,7 +5244,7 @@
           <a:lstStyle/>
           <a:p>
             <a:r>
-              <a:rPr lang="en-US" dirty="0"/>
+              <a:rPr lang="en-US" sz="2000" dirty="0"/>
               <a:t>Model may require more than 30 parameters.</a:t>
             </a:r>
           </a:p>
@@ -6637,23 +6642,7 @@
                   <a:srgbClr val="C00000"/>
                 </a:solidFill>
               </a:rPr>
-              <a:t>New storage.JO0235000540_1 phases=1 bus1=X_50_4921721_JO0235000513.1  yearly=</a:t>
-            </a:r>
-            <a:r>
-              <a:rPr lang="en-US" sz="2000" dirty="0" err="1">
-                <a:solidFill>
-                  <a:srgbClr val="C00000"/>
-                </a:solidFill>
-              </a:rPr>
-              <a:t>Phasealoadshape</a:t>
-            </a:r>
-            <a:r>
-              <a:rPr lang="en-US" sz="2000" dirty="0">
-                <a:solidFill>
-                  <a:srgbClr val="C00000"/>
-                </a:solidFill>
-              </a:rPr>
-              <a:t> </a:t>
+              <a:t>New storage.JO0235000540_1 phases=1 </a:t>
             </a:r>
           </a:p>
           <a:p>
@@ -6666,6 +6655,35 @@
                   <a:srgbClr val="C00000"/>
                 </a:solidFill>
               </a:rPr>
+              <a:t>~ bus1=X_50_4921721_JO0235000513.1  yearly=</a:t>
+            </a:r>
+            <a:r>
+              <a:rPr lang="en-US" sz="2000" dirty="0" err="1">
+                <a:solidFill>
+                  <a:srgbClr val="C00000"/>
+                </a:solidFill>
+              </a:rPr>
+              <a:t>Phasealoadshape</a:t>
+            </a:r>
+            <a:r>
+              <a:rPr lang="en-US" sz="2000" dirty="0">
+                <a:solidFill>
+                  <a:srgbClr val="C00000"/>
+                </a:solidFill>
+              </a:rPr>
+              <a:t> </a:t>
+            </a:r>
+          </a:p>
+          <a:p>
+            <a:pPr marL="0" indent="0">
+              <a:buNone/>
+            </a:pPr>
+            <a:r>
+              <a:rPr lang="en-US" sz="2000" dirty="0">
+                <a:solidFill>
+                  <a:srgbClr val="C00000"/>
+                </a:solidFill>
+              </a:rPr>
               <a:t>~ kV=0.24 </a:t>
             </a:r>
             <a:r>
@@ -6699,6 +6717,19 @@
                 </a:solidFill>
               </a:rPr>
               <a:t>=25 state=IDLING  </a:t>
+            </a:r>
+          </a:p>
+          <a:p>
+            <a:pPr marL="0" indent="0">
+              <a:buNone/>
+            </a:pPr>
+            <a:r>
+              <a:rPr lang="en-US" sz="2000" dirty="0">
+                <a:solidFill>
+                  <a:srgbClr val="C00000"/>
+                </a:solidFill>
+              </a:rPr>
+              <a:t>~ </a:t>
             </a:r>
             <a:r>
               <a:rPr lang="en-US" sz="2000" dirty="0" err="1">
@@ -7661,7 +7692,7 @@
           <a:p>
             <a:r>
               <a:rPr lang="en-US" dirty="0"/>
-              <a:t>Storage is the frequently-proposed solution to renewable generation issues</a:t>
+              <a:t>Storage is a frequently-proposed solution to renewable generation issues</a:t>
             </a:r>
           </a:p>
           <a:p>
@@ -7670,7 +7701,7 @@
           <a:p>
             <a:r>
               <a:rPr lang="en-US" dirty="0"/>
-              <a:t>US States and Canadian provinces are requiring large amounts of storage </a:t>
+              <a:t>US states and Canadian provinces are requiring large amounts of storage </a:t>
             </a:r>
           </a:p>
           <a:p>
@@ -7901,15 +7932,7 @@
           <a:p>
             <a:r>
               <a:rPr lang="en-US" dirty="0"/>
-              <a:t>Supporting alternate feeds during </a:t>
-            </a:r>
-            <a:r>
-              <a:rPr lang="en-US" dirty="0" err="1"/>
-              <a:t>reconfig</a:t>
-            </a:r>
-            <a:r>
-              <a:rPr lang="en-US" dirty="0"/>
-              <a:t>.</a:t>
+              <a:t>Supporting alternate feeds during reconfiguration</a:t>
             </a:r>
           </a:p>
           <a:p>
@@ -8093,7 +8116,12 @@
             <p:ph idx="1"/>
           </p:nvPr>
         </p:nvSpPr>
-        <p:spPr/>
+        <p:spPr>
+          <a:xfrm>
+            <a:off x="274320" y="1413164"/>
+            <a:ext cx="8595360" cy="4987636"/>
+          </a:xfrm>
+        </p:spPr>
         <p:txBody>
           <a:bodyPr>
             <a:normAutofit/>
@@ -9609,20 +9637,20 @@
 </file>
 
 <file path=customXml/item1.xml><?xml version="1.0" encoding="utf-8"?>
+<p:properties xmlns:p="http://schemas.microsoft.com/office/2006/metadata/properties" xmlns:xsi="http://www.w3.org/2001/XMLSchema-instance" xmlns:pc="http://schemas.microsoft.com/office/infopath/2007/PartnerControls">
+  <documentManagement>
+    <Category xmlns="9d4eb815-23ed-48d9-b0c1-2b9ce0016f4e">EPRI PowerPoint Template</Category>
+  </documentManagement>
+</p:properties>
+</file>
+
+<file path=customXml/item2.xml><?xml version="1.0" encoding="utf-8"?>
 <?mso-contentType ?>
 <FormTemplates xmlns="http://schemas.microsoft.com/sharepoint/v3/contenttype/forms">
   <Display>DocumentLibraryForm</Display>
   <Edit>DocumentLibraryForm</Edit>
   <New>DocumentLibraryForm</New>
 </FormTemplates>
-</file>
-
-<file path=customXml/item2.xml><?xml version="1.0" encoding="utf-8"?>
-<p:properties xmlns:p="http://schemas.microsoft.com/office/2006/metadata/properties" xmlns:xsi="http://www.w3.org/2001/XMLSchema-instance" xmlns:pc="http://schemas.microsoft.com/office/infopath/2007/PartnerControls">
-  <documentManagement>
-    <Category xmlns="9d4eb815-23ed-48d9-b0c1-2b9ce0016f4e">EPRI PowerPoint Template</Category>
-  </documentManagement>
-</p:properties>
 </file>
 
 <file path=customXml/item3.xml><?xml version="1.0" encoding="utf-8"?>
@@ -9758,14 +9786,6 @@
 </file>
 
 <file path=customXml/itemProps1.xml><?xml version="1.0" encoding="utf-8"?>
-<ds:datastoreItem xmlns:ds="http://schemas.openxmlformats.org/officeDocument/2006/customXml" ds:itemID="{F99B5431-8C26-478B-808F-26BED01B748B}">
-  <ds:schemaRefs>
-    <ds:schemaRef ds:uri="http://schemas.microsoft.com/sharepoint/v3/contenttype/forms"/>
-  </ds:schemaRefs>
-</ds:datastoreItem>
-</file>
-
-<file path=customXml/itemProps2.xml><?xml version="1.0" encoding="utf-8"?>
 <ds:datastoreItem xmlns:ds="http://schemas.openxmlformats.org/officeDocument/2006/customXml" ds:itemID="{CB3A9CD0-2239-4A17-AE12-8DE9BDDF5A58}">
   <ds:schemaRefs>
     <ds:schemaRef ds:uri="http://schemas.microsoft.com/office/2006/metadata/properties"/>
@@ -9777,6 +9797,14 @@
     <ds:schemaRef ds:uri="http://purl.org/dc/elements/1.1/"/>
     <ds:schemaRef ds:uri="http://www.w3.org/XML/1998/namespace"/>
     <ds:schemaRef ds:uri="http://purl.org/dc/dcmitype/"/>
+  </ds:schemaRefs>
+</ds:datastoreItem>
+</file>
+
+<file path=customXml/itemProps2.xml><?xml version="1.0" encoding="utf-8"?>
+<ds:datastoreItem xmlns:ds="http://schemas.openxmlformats.org/officeDocument/2006/customXml" ds:itemID="{F99B5431-8C26-478B-808F-26BED01B748B}">
+  <ds:schemaRefs>
+    <ds:schemaRef ds:uri="http://schemas.microsoft.com/sharepoint/v3/contenttype/forms"/>
   </ds:schemaRefs>
 </ds:datastoreItem>
 </file>
